--- a/task_2/result/task_2_visualization_EDA_brumin.pptx
+++ b/task_2/result/task_2_visualization_EDA_brumin.pptx
@@ -5000,7 +5000,7 @@
             <p:ph type="tbl" sz="quarter" idx="12"/>
             <p:extLst>
               <p:ext uri="{D42A27DB-BD31-4B8C-83A1-F6EECF244321}">
-                <p14:modId xmlns:p14="http://schemas.microsoft.com/office/powerpoint/2010/main" val="746485769"/>
+                <p14:modId xmlns:p14="http://schemas.microsoft.com/office/powerpoint/2010/main" val="446844302"/>
               </p:ext>
             </p:extLst>
           </p:nvPr>
@@ -5175,7 +5175,27 @@
                           <a:effectLst/>
                           <a:latin typeface="Roboto" panose="02000000000000000000" pitchFamily="2" charset="0"/>
                         </a:rPr>
-                        <a:t>приходится на Центральный и Приволжский федеральных округа </a:t>
+                        <a:t>приходится на Центральный и Приволжский </a:t>
+                      </a:r>
+                      <a:r>
+                        <a:rPr lang="ru-RU" sz="1600" b="0" i="0" dirty="0" smtClean="0">
+                          <a:solidFill>
+                            <a:srgbClr val="000000"/>
+                          </a:solidFill>
+                          <a:effectLst/>
+                          <a:latin typeface="Roboto" panose="02000000000000000000" pitchFamily="2" charset="0"/>
+                        </a:rPr>
+                        <a:t>федеральные </a:t>
+                      </a:r>
+                      <a:r>
+                        <a:rPr lang="ru-RU" sz="1600" b="0" i="0" dirty="0">
+                          <a:solidFill>
+                            <a:srgbClr val="000000"/>
+                          </a:solidFill>
+                          <a:effectLst/>
+                          <a:latin typeface="Roboto" panose="02000000000000000000" pitchFamily="2" charset="0"/>
+                        </a:rPr>
+                        <a:t>округа </a:t>
                       </a:r>
                       <a:endParaRPr kumimoji="0" lang="en-US" sz="1600" b="0" i="0" u="none" strike="noStrike" cap="none" normalizeH="0" baseline="0" dirty="0">
                         <a:ln>
@@ -5613,7 +5633,7 @@
           <p:nvPr>
             <p:extLst>
               <p:ext uri="{D42A27DB-BD31-4B8C-83A1-F6EECF244321}">
-                <p14:modId xmlns:p14="http://schemas.microsoft.com/office/powerpoint/2010/main" val="85230867"/>
+                <p14:modId xmlns:p14="http://schemas.microsoft.com/office/powerpoint/2010/main" val="4166729092"/>
               </p:ext>
             </p:extLst>
           </p:nvPr>
@@ -5825,7 +5845,17 @@
                           <a:effectLst/>
                           <a:latin typeface="+mj-lt"/>
                         </a:rPr>
-                        <a:t>в общем объёме активации </a:t>
+                        <a:t>в общем объёме </a:t>
+                      </a:r>
+                      <a:r>
+                        <a:rPr lang="ru-RU" sz="1600" b="0" i="0" dirty="0" smtClean="0">
+                          <a:solidFill>
+                            <a:srgbClr val="000000"/>
+                          </a:solidFill>
+                          <a:effectLst/>
+                          <a:latin typeface="+mj-lt"/>
+                        </a:rPr>
+                        <a:t>активаций </a:t>
                       </a:r>
                       <a:r>
                         <a:rPr lang="ru-RU" sz="1600" b="0" i="0" dirty="0" err="1">
@@ -5922,7 +5952,7 @@
           <p:nvPr>
             <p:extLst>
               <p:ext uri="{D42A27DB-BD31-4B8C-83A1-F6EECF244321}">
-                <p14:modId xmlns:p14="http://schemas.microsoft.com/office/powerpoint/2010/main" val="431667708"/>
+                <p14:modId xmlns:p14="http://schemas.microsoft.com/office/powerpoint/2010/main" val="1695731317"/>
               </p:ext>
             </p:extLst>
           </p:nvPr>
@@ -6004,8 +6034,44 @@
                           <a:effectLst/>
                           <a:latin typeface="Century Gothic" panose="020B0502020202020204" pitchFamily="34" charset="0"/>
                         </a:rPr>
-                        <a:t>НАХОДИТСЯ В ЦЕНТРАЛЬНОМ ФО. </a:t>
+                        <a:t>НАХОДИТСЯ В ЦЕНТРАЛЬНОМ </a:t>
                       </a:r>
+                      <a:r>
+                        <a:rPr kumimoji="0" lang="ru-RU" sz="1800" b="1" i="0" u="none" strike="noStrike" cap="none" normalizeH="0" baseline="0" dirty="0" err="1" smtClean="0">
+                          <a:ln>
+                            <a:noFill/>
+                          </a:ln>
+                          <a:solidFill>
+                            <a:schemeClr val="tx1"/>
+                          </a:solidFill>
+                          <a:effectLst/>
+                          <a:latin typeface="Century Gothic" panose="020B0502020202020204" pitchFamily="34" charset="0"/>
+                        </a:rPr>
+                        <a:t>ФО</a:t>
+                      </a:r>
+                      <a:r>
+                        <a:rPr kumimoji="0" lang="ru-RU" sz="1800" b="1" i="0" u="none" strike="noStrike" cap="none" normalizeH="0" baseline="0" dirty="0" smtClean="0">
+                          <a:ln>
+                            <a:noFill/>
+                          </a:ln>
+                          <a:solidFill>
+                            <a:schemeClr val="tx1"/>
+                          </a:solidFill>
+                          <a:effectLst/>
+                          <a:latin typeface="Century Gothic" panose="020B0502020202020204" pitchFamily="34" charset="0"/>
+                        </a:rPr>
+                        <a:t> </a:t>
+                      </a:r>
+                      <a:endParaRPr kumimoji="0" lang="ru-RU" sz="1800" b="1" i="0" u="none" strike="noStrike" cap="none" normalizeH="0" baseline="0" dirty="0">
+                        <a:ln>
+                          <a:noFill/>
+                        </a:ln>
+                        <a:solidFill>
+                          <a:schemeClr val="tx1"/>
+                        </a:solidFill>
+                        <a:effectLst/>
+                        <a:latin typeface="Century Gothic" panose="020B0502020202020204" pitchFamily="34" charset="0"/>
+                      </a:endParaRPr>
                     </a:p>
                   </a:txBody>
                   <a:tcPr anchor="ctr" horzOverflow="overflow">
@@ -6086,7 +6152,17 @@
                           <a:effectLst/>
                           <a:latin typeface="+mj-lt"/>
                         </a:rPr>
-                        <a:t>По мере доставки акционных товаров в другие ФО доля Центрального ФО в общем объеме активаций </a:t>
+                        <a:t>По мере доставки акционных товаров в другие ФО доля Центрального ФО в общем </a:t>
+                      </a:r>
+                      <a:r>
+                        <a:rPr lang="ru-RU" sz="1600" b="0" i="0" dirty="0" smtClean="0">
+                          <a:solidFill>
+                            <a:schemeClr val="tx1"/>
+                          </a:solidFill>
+                          <a:effectLst/>
+                          <a:latin typeface="+mj-lt"/>
+                        </a:rPr>
+                        <a:t>объёме активаций </a:t>
                       </a:r>
                       <a:r>
                         <a:rPr lang="ru-RU" sz="1600" b="0" i="0" dirty="0" err="1">
@@ -6627,7 +6703,7 @@
           <p:nvPr>
             <p:extLst>
               <p:ext uri="{D42A27DB-BD31-4B8C-83A1-F6EECF244321}">
-                <p14:modId xmlns:p14="http://schemas.microsoft.com/office/powerpoint/2010/main" val="1237548376"/>
+                <p14:modId xmlns:p14="http://schemas.microsoft.com/office/powerpoint/2010/main" val="68456507"/>
               </p:ext>
             </p:extLst>
           </p:nvPr>
@@ -6805,7 +6881,27 @@
                           <a:effectLst/>
                           <a:latin typeface="+mj-lt"/>
                         </a:rPr>
-                        <a:t>а не дате покупки</a:t>
+                        <a:t>а </a:t>
+                      </a:r>
+                      <a:r>
+                        <a:rPr lang="ru-RU" sz="1600" b="0" i="0" dirty="0" smtClean="0">
+                          <a:solidFill>
+                            <a:schemeClr val="tx1"/>
+                          </a:solidFill>
+                          <a:effectLst/>
+                          <a:latin typeface="+mj-lt"/>
+                        </a:rPr>
+                        <a:t>не о </a:t>
+                      </a:r>
+                      <a:r>
+                        <a:rPr lang="ru-RU" sz="1600" b="0" i="0" dirty="0">
+                          <a:solidFill>
+                            <a:schemeClr val="tx1"/>
+                          </a:solidFill>
+                          <a:effectLst/>
+                          <a:latin typeface="+mj-lt"/>
+                        </a:rPr>
+                        <a:t>дате покупки</a:t>
                       </a:r>
                     </a:p>
                   </a:txBody>
@@ -7158,7 +7254,7 @@
           <p:nvPr>
             <p:extLst>
               <p:ext uri="{D42A27DB-BD31-4B8C-83A1-F6EECF244321}">
-                <p14:modId xmlns:p14="http://schemas.microsoft.com/office/powerpoint/2010/main" val="253170079"/>
+                <p14:modId xmlns:p14="http://schemas.microsoft.com/office/powerpoint/2010/main" val="3076446287"/>
               </p:ext>
             </p:extLst>
           </p:nvPr>
@@ -7205,6 +7301,19 @@
                         <a:tabLst/>
                       </a:pPr>
                       <a:r>
+                        <a:rPr kumimoji="0" lang="ru-RU" sz="1800" b="1" i="0" u="none" strike="noStrike" cap="none" normalizeH="0" baseline="0" dirty="0" smtClean="0">
+                          <a:ln>
+                            <a:noFill/>
+                          </a:ln>
+                          <a:solidFill>
+                            <a:schemeClr val="tx1"/>
+                          </a:solidFill>
+                          <a:effectLst/>
+                          <a:latin typeface="Century Gothic" panose="020B0502020202020204" pitchFamily="34" charset="0"/>
+                        </a:rPr>
+                        <a:t>СНИЖЕНИЕ </a:t>
+                      </a:r>
+                      <a:r>
                         <a:rPr kumimoji="0" lang="ru-RU" sz="1800" b="1" i="0" u="none" strike="noStrike" cap="none" normalizeH="0" baseline="0" dirty="0">
                           <a:ln>
                             <a:noFill/>
@@ -7215,7 +7324,7 @@
                           <a:effectLst/>
                           <a:latin typeface="Century Gothic" panose="020B0502020202020204" pitchFamily="34" charset="0"/>
                         </a:rPr>
-                        <a:t>СНИЖЕНИЯ НА ПОСЛЕДНЕЙ НЕДЕЛЕ </a:t>
+                        <a:t>НА ПОСЛЕДНЕЙ НЕДЕЛЕ </a:t>
                       </a:r>
                       <a:br>
                         <a:rPr kumimoji="0" lang="ru-RU" sz="1800" b="1" i="0" u="none" strike="noStrike" cap="none" normalizeH="0" baseline="0" dirty="0">
@@ -7340,6 +7449,28 @@
                         <a:tabLst/>
                       </a:pPr>
                       <a:r>
+                        <a:rPr lang="ru-RU" sz="1600" b="0" i="0" kern="1200" dirty="0" smtClean="0">
+                          <a:solidFill>
+                            <a:schemeClr val="tx1"/>
+                          </a:solidFill>
+                          <a:effectLst/>
+                          <a:latin typeface="+mn-lt"/>
+                          <a:ea typeface="+mn-ea"/>
+                          <a:cs typeface="+mn-cs"/>
+                        </a:rPr>
+                        <a:t>были потеряны </a:t>
+                      </a:r>
+                      <a:r>
+                        <a:rPr lang="ru-RU" sz="1600" b="0" i="0" dirty="0" smtClean="0">
+                          <a:solidFill>
+                            <a:schemeClr val="tx1"/>
+                          </a:solidFill>
+                          <a:effectLst/>
+                          <a:latin typeface="+mj-lt"/>
+                        </a:rPr>
+                        <a:t>последние </a:t>
+                      </a:r>
+                      <a:r>
                         <a:rPr lang="ru-RU" sz="1600" b="0" i="0" dirty="0">
                           <a:solidFill>
                             <a:schemeClr val="tx1"/>
@@ -7347,8 +7478,64 @@
                           <a:effectLst/>
                           <a:latin typeface="+mj-lt"/>
                         </a:rPr>
-                        <a:t>последние дни недели с прогнозируемо большим числом активаций были потеряны</a:t>
+                        <a:t>дни недели </a:t>
                       </a:r>
+                      <a:r>
+                        <a:rPr lang="ru-RU" sz="1600" b="0" i="0" dirty="0" smtClean="0">
+                          <a:solidFill>
+                            <a:schemeClr val="tx1"/>
+                          </a:solidFill>
+                          <a:effectLst/>
+                          <a:latin typeface="+mj-lt"/>
+                        </a:rPr>
+                        <a:t/>
+                      </a:r>
+                      <a:br>
+                        <a:rPr lang="ru-RU" sz="1600" b="0" i="0" dirty="0" smtClean="0">
+                          <a:solidFill>
+                            <a:schemeClr val="tx1"/>
+                          </a:solidFill>
+                          <a:effectLst/>
+                          <a:latin typeface="+mj-lt"/>
+                        </a:rPr>
+                      </a:br>
+                      <a:r>
+                        <a:rPr lang="ru-RU" sz="1600" b="0" i="0" dirty="0" smtClean="0">
+                          <a:solidFill>
+                            <a:schemeClr val="tx1"/>
+                          </a:solidFill>
+                          <a:effectLst/>
+                          <a:latin typeface="+mj-lt"/>
+                        </a:rPr>
+                        <a:t>с </a:t>
+                      </a:r>
+                      <a:r>
+                        <a:rPr lang="ru-RU" sz="1600" b="0" i="0" dirty="0">
+                          <a:solidFill>
+                            <a:schemeClr val="tx1"/>
+                          </a:solidFill>
+                          <a:effectLst/>
+                          <a:latin typeface="+mj-lt"/>
+                        </a:rPr>
+                        <a:t>прогнозируемо большим числом </a:t>
+                      </a:r>
+                      <a:r>
+                        <a:rPr lang="ru-RU" sz="1600" b="0" i="0" dirty="0" smtClean="0">
+                          <a:solidFill>
+                            <a:schemeClr val="tx1"/>
+                          </a:solidFill>
+                          <a:effectLst/>
+                          <a:latin typeface="+mj-lt"/>
+                        </a:rPr>
+                        <a:t>активаций</a:t>
+                      </a:r>
+                      <a:endParaRPr lang="ru-RU" sz="1600" b="0" i="0" dirty="0">
+                        <a:solidFill>
+                          <a:schemeClr val="tx1"/>
+                        </a:solidFill>
+                        <a:effectLst/>
+                        <a:latin typeface="+mj-lt"/>
+                      </a:endParaRPr>
                     </a:p>
                   </a:txBody>
                   <a:tcPr anchor="ctr" horzOverflow="overflow">
@@ -9072,34 +9259,6 @@
 </file>
 
 <file path=customXml/item1.xml><?xml version="1.0" encoding="utf-8"?>
-<?mso-contentType ?>
-<FormTemplates xmlns="http://schemas.microsoft.com/sharepoint/v3/contenttype/forms">
-  <Display>DocumentLibraryForm</Display>
-  <Edit>DocumentLibraryForm</Edit>
-  <New>DocumentLibraryForm</New>
-</FormTemplates>
-</file>
-
-<file path=customXml/item2.xml><?xml version="1.0" encoding="utf-8"?>
-<p:properties xmlns:p="http://schemas.microsoft.com/office/2006/metadata/properties" xmlns:xsi="http://www.w3.org/2001/XMLSchema-instance" xmlns:pc="http://schemas.microsoft.com/office/infopath/2007/PartnerControls">
-  <documentManagement>
-    <Status xmlns="71af3243-3dd4-4a8d-8c0d-dd76da1f02a5">Not started</Status>
-    <_ip_UnifiedCompliancePolicyUIAction xmlns="http://schemas.microsoft.com/sharepoint/v3" xsi:nil="true"/>
-    <Image xmlns="71af3243-3dd4-4a8d-8c0d-dd76da1f02a5">
-      <Url xsi:nil="true"/>
-      <Description xsi:nil="true"/>
-    </Image>
-    <_ip_UnifiedCompliancePolicyProperties xmlns="http://schemas.microsoft.com/sharepoint/v3" xsi:nil="true"/>
-    <lcf76f155ced4ddcb4097134ff3c332f xmlns="71af3243-3dd4-4a8d-8c0d-dd76da1f02a5">
-      <Terms xmlns="http://schemas.microsoft.com/office/infopath/2007/PartnerControls"/>
-    </lcf76f155ced4ddcb4097134ff3c332f>
-    <TaxCatchAll xmlns="230e9df3-be65-4c73-a93b-d1236ebd677e"/>
-    <MediaServiceKeyPoints xmlns="71af3243-3dd4-4a8d-8c0d-dd76da1f02a5" xsi:nil="true"/>
-  </documentManagement>
-</p:properties>
-</file>
-
-<file path=customXml/item3.xml><?xml version="1.0" encoding="utf-8"?>
 <ct:contentTypeSchema xmlns:ct="http://schemas.microsoft.com/office/2006/metadata/contentType" xmlns:ma="http://schemas.microsoft.com/office/2006/metadata/properties/metaAttributes" ct:_="" ma:_="" ma:contentTypeName="Document" ma:contentTypeID="0x01010079F111ED35F8CC479449609E8A0923A6" ma:contentTypeVersion="18" ma:contentTypeDescription="Create a new document." ma:contentTypeScope="" ma:versionID="22a266b9fa9a230c5a512669d8b298c3">
   <xsd:schema xmlns:xsd="http://www.w3.org/2001/XMLSchema" xmlns:xs="http://www.w3.org/2001/XMLSchema" xmlns:p="http://schemas.microsoft.com/office/2006/metadata/properties" xmlns:ns1="http://schemas.microsoft.com/sharepoint/v3" xmlns:ns2="71af3243-3dd4-4a8d-8c0d-dd76da1f02a5" xmlns:ns3="16c05727-aa75-4e4a-9b5f-8a80a1165891" xmlns:ns4="230e9df3-be65-4c73-a93b-d1236ebd677e" targetNamespace="http://schemas.microsoft.com/office/2006/metadata/properties" ma:root="true" ma:fieldsID="eddc33fff6b14141ee5c74a0d29ea6a1" ns1:_="" ns2:_="" ns3:_="" ns4:_="">
     <xsd:import namespace="http://schemas.microsoft.com/sharepoint/v3"/>
@@ -9375,27 +9534,35 @@
 </ct:contentTypeSchema>
 </file>
 
-<file path=customXml/itemProps1.xml><?xml version="1.0" encoding="utf-8"?>
-<ds:datastoreItem xmlns:ds="http://schemas.openxmlformats.org/officeDocument/2006/customXml" ds:itemID="{915C1F8C-D27A-4CE7-9DF4-4AFDB2880FA9}">
-  <ds:schemaRefs>
-    <ds:schemaRef ds:uri="http://schemas.microsoft.com/sharepoint/v3/contenttype/forms"/>
-  </ds:schemaRefs>
-</ds:datastoreItem>
+<file path=customXml/item2.xml><?xml version="1.0" encoding="utf-8"?>
+<p:properties xmlns:p="http://schemas.microsoft.com/office/2006/metadata/properties" xmlns:xsi="http://www.w3.org/2001/XMLSchema-instance" xmlns:pc="http://schemas.microsoft.com/office/infopath/2007/PartnerControls">
+  <documentManagement>
+    <Status xmlns="71af3243-3dd4-4a8d-8c0d-dd76da1f02a5">Not started</Status>
+    <_ip_UnifiedCompliancePolicyUIAction xmlns="http://schemas.microsoft.com/sharepoint/v3" xsi:nil="true"/>
+    <Image xmlns="71af3243-3dd4-4a8d-8c0d-dd76da1f02a5">
+      <Url xsi:nil="true"/>
+      <Description xsi:nil="true"/>
+    </Image>
+    <_ip_UnifiedCompliancePolicyProperties xmlns="http://schemas.microsoft.com/sharepoint/v3" xsi:nil="true"/>
+    <lcf76f155ced4ddcb4097134ff3c332f xmlns="71af3243-3dd4-4a8d-8c0d-dd76da1f02a5">
+      <Terms xmlns="http://schemas.microsoft.com/office/infopath/2007/PartnerControls"/>
+    </lcf76f155ced4ddcb4097134ff3c332f>
+    <TaxCatchAll xmlns="230e9df3-be65-4c73-a93b-d1236ebd677e"/>
+    <MediaServiceKeyPoints xmlns="71af3243-3dd4-4a8d-8c0d-dd76da1f02a5" xsi:nil="true"/>
+  </documentManagement>
+</p:properties>
 </file>
 
-<file path=customXml/itemProps2.xml><?xml version="1.0" encoding="utf-8"?>
-<ds:datastoreItem xmlns:ds="http://schemas.openxmlformats.org/officeDocument/2006/customXml" ds:itemID="{FDF283A3-AA81-4663-8764-64F64C723FD1}">
-  <ds:schemaRefs>
-    <ds:schemaRef ds:uri="http://schemas.microsoft.com/office/2006/metadata/properties"/>
-    <ds:schemaRef ds:uri="http://schemas.microsoft.com/office/infopath/2007/PartnerControls"/>
-    <ds:schemaRef ds:uri="71af3243-3dd4-4a8d-8c0d-dd76da1f02a5"/>
-    <ds:schemaRef ds:uri="http://schemas.microsoft.com/sharepoint/v3"/>
-    <ds:schemaRef ds:uri="230e9df3-be65-4c73-a93b-d1236ebd677e"/>
-  </ds:schemaRefs>
-</ds:datastoreItem>
+<file path=customXml/item3.xml><?xml version="1.0" encoding="utf-8"?>
+<?mso-contentType ?>
+<FormTemplates xmlns="http://schemas.microsoft.com/sharepoint/v3/contenttype/forms">
+  <Display>DocumentLibraryForm</Display>
+  <Edit>DocumentLibraryForm</Edit>
+  <New>DocumentLibraryForm</New>
+</FormTemplates>
 </file>
 
-<file path=customXml/itemProps3.xml><?xml version="1.0" encoding="utf-8"?>
+<file path=customXml/itemProps1.xml><?xml version="1.0" encoding="utf-8"?>
 <ds:datastoreItem xmlns:ds="http://schemas.openxmlformats.org/officeDocument/2006/customXml" ds:itemID="{D4EE2DFF-920A-42C9-AEE0-3A0BF6AF4609}">
   <ds:schemaRefs>
     <ds:schemaRef ds:uri="http://schemas.microsoft.com/office/2006/metadata/contentType"/>
@@ -9416,6 +9583,26 @@
 </ds:datastoreItem>
 </file>
 
+<file path=customXml/itemProps2.xml><?xml version="1.0" encoding="utf-8"?>
+<ds:datastoreItem xmlns:ds="http://schemas.openxmlformats.org/officeDocument/2006/customXml" ds:itemID="{FDF283A3-AA81-4663-8764-64F64C723FD1}">
+  <ds:schemaRefs>
+    <ds:schemaRef ds:uri="http://schemas.microsoft.com/office/2006/metadata/properties"/>
+    <ds:schemaRef ds:uri="http://schemas.microsoft.com/office/infopath/2007/PartnerControls"/>
+    <ds:schemaRef ds:uri="71af3243-3dd4-4a8d-8c0d-dd76da1f02a5"/>
+    <ds:schemaRef ds:uri="http://schemas.microsoft.com/sharepoint/v3"/>
+    <ds:schemaRef ds:uri="230e9df3-be65-4c73-a93b-d1236ebd677e"/>
+  </ds:schemaRefs>
+</ds:datastoreItem>
+</file>
+
+<file path=customXml/itemProps3.xml><?xml version="1.0" encoding="utf-8"?>
+<ds:datastoreItem xmlns:ds="http://schemas.openxmlformats.org/officeDocument/2006/customXml" ds:itemID="{915C1F8C-D27A-4CE7-9DF4-4AFDB2880FA9}">
+  <ds:schemaRefs>
+    <ds:schemaRef ds:uri="http://schemas.microsoft.com/sharepoint/v3/contenttype/forms"/>
+  </ds:schemaRefs>
+</ds:datastoreItem>
+</file>
+
 <file path=docMetadata/LabelInfo.xml><?xml version="1.0" encoding="utf-8"?>
 <clbl:labelList xmlns:clbl="http://schemas.microsoft.com/office/2020/mipLabelMetadata">
   <clbl:label id="{72f988bf-86f1-41af-91ab-2d7cd011db47}" enabled="0" method="" siteId="{72f988bf-86f1-41af-91ab-2d7cd011db47}" removed="1"/>

--- a/task_2/result/task_2_visualization_EDA_brumin.pptx
+++ b/task_2/result/task_2_visualization_EDA_brumin.pptx
@@ -7675,14 +7675,14 @@
           <p:nvPr>
             <p:extLst>
               <p:ext uri="{D42A27DB-BD31-4B8C-83A1-F6EECF244321}">
-                <p14:modId xmlns:p14="http://schemas.microsoft.com/office/powerpoint/2010/main" val="2597688302"/>
+                <p14:modId xmlns:p14="http://schemas.microsoft.com/office/powerpoint/2010/main" val="451321782"/>
               </p:ext>
             </p:extLst>
           </p:nvPr>
         </p:nvGraphicFramePr>
         <p:xfrm>
           <a:off x="2837726" y="1683037"/>
-          <a:ext cx="6516548" cy="3491926"/>
+          <a:ext cx="6516548" cy="3894390"/>
         </p:xfrm>
         <a:graphic>
           <a:graphicData uri="http://schemas.openxmlformats.org/drawingml/2006/table">
@@ -7705,7 +7705,162 @@
                 </a:gridCol>
               </a:tblGrid>
               <a:tr h="536006">
-                <a:tc>
+                <a:tc gridSpan="2">
+                  <a:txBody>
+                    <a:bodyPr/>
+                    <a:lstStyle/>
+                    <a:p>
+                      <a:pPr marL="0" marR="0" lvl="0" indent="0" algn="ctr" defTabSz="914400" rtl="0" eaLnBrk="1" fontAlgn="base" latinLnBrk="0" hangingPunct="1">
+                        <a:lnSpc>
+                          <a:spcPct val="100000"/>
+                        </a:lnSpc>
+                        <a:spcBef>
+                          <a:spcPct val="20000"/>
+                        </a:spcBef>
+                        <a:spcAft>
+                          <a:spcPct val="0"/>
+                        </a:spcAft>
+                        <a:buClr>
+                          <a:schemeClr val="tx1"/>
+                        </a:buClr>
+                        <a:buSzTx/>
+                        <a:buFontTx/>
+                        <a:buNone/>
+                        <a:tabLst/>
+                      </a:pPr>
+                      <a:endParaRPr kumimoji="0" lang="ru-RU" sz="1600" b="1" i="0" u="none" strike="noStrike" cap="none" normalizeH="0" baseline="0" dirty="0">
+                        <a:ln>
+                          <a:noFill/>
+                        </a:ln>
+                        <a:solidFill>
+                          <a:schemeClr val="tx1"/>
+                        </a:solidFill>
+                        <a:effectLst/>
+                        <a:latin typeface="Century Gothic" panose="020B0502020202020204" pitchFamily="34" charset="0"/>
+                      </a:endParaRPr>
+                    </a:p>
+                  </a:txBody>
+                  <a:tcPr anchor="ctr" horzOverflow="overflow">
+                    <a:lnL w="6350" cap="flat" cmpd="sng" algn="ctr">
+                      <a:noFill/>
+                      <a:prstDash val="solid"/>
+                      <a:round/>
+                      <a:headEnd type="none" w="med" len="med"/>
+                      <a:tailEnd type="none" w="med" len="med"/>
+                    </a:lnL>
+                    <a:lnR w="12700" cap="flat" cmpd="sng" algn="ctr">
+                      <a:noFill/>
+                      <a:prstDash val="solid"/>
+                      <a:round/>
+                      <a:headEnd type="none" w="med" len="med"/>
+                      <a:tailEnd type="none" w="med" len="med"/>
+                    </a:lnR>
+                    <a:lnT w="28575" cap="flat" cmpd="sng" algn="ctr">
+                      <a:noFill/>
+                      <a:prstDash val="solid"/>
+                      <a:round/>
+                      <a:headEnd type="none" w="med" len="med"/>
+                      <a:tailEnd type="none" w="med" len="med"/>
+                    </a:lnT>
+                    <a:lnB w="12700" cap="flat" cmpd="sng" algn="ctr">
+                      <a:noFill/>
+                      <a:prstDash val="solid"/>
+                      <a:round/>
+                      <a:headEnd type="none" w="med" len="med"/>
+                      <a:tailEnd type="none" w="med" len="med"/>
+                    </a:lnB>
+                    <a:lnTlToBr>
+                      <a:noFill/>
+                    </a:lnTlToBr>
+                    <a:lnBlToTr>
+                      <a:noFill/>
+                    </a:lnBlToTr>
+                    <a:noFill/>
+                  </a:tcPr>
+                </a:tc>
+                <a:tc hMerge="1">
+                  <a:txBody>
+                    <a:bodyPr/>
+                    <a:lstStyle/>
+                    <a:p>
+                      <a:pPr marL="0" marR="0" lvl="0" indent="0" algn="ctr" defTabSz="914400" rtl="0" eaLnBrk="1" fontAlgn="base" latinLnBrk="0" hangingPunct="1">
+                        <a:lnSpc>
+                          <a:spcPct val="100000"/>
+                        </a:lnSpc>
+                        <a:spcBef>
+                          <a:spcPct val="20000"/>
+                        </a:spcBef>
+                        <a:spcAft>
+                          <a:spcPct val="0"/>
+                        </a:spcAft>
+                        <a:buClr>
+                          <a:schemeClr val="tx1"/>
+                        </a:buClr>
+                        <a:buSzTx/>
+                        <a:buFontTx/>
+                        <a:buNone/>
+                        <a:tabLst/>
+                      </a:pPr>
+                      <a:endParaRPr kumimoji="0" lang="ru-RU" sz="2000" b="1" i="0" u="none" strike="noStrike" cap="none" normalizeH="0" baseline="0" dirty="0">
+                        <a:ln>
+                          <a:noFill/>
+                        </a:ln>
+                        <a:solidFill>
+                          <a:schemeClr val="tx1"/>
+                        </a:solidFill>
+                        <a:effectLst/>
+                        <a:latin typeface="Century Gothic" panose="020B0502020202020204" pitchFamily="34" charset="0"/>
+                      </a:endParaRPr>
+                    </a:p>
+                  </a:txBody>
+                  <a:tcPr anchor="ctr" horzOverflow="overflow">
+                    <a:lnL w="12700" cap="flat" cmpd="sng" algn="ctr">
+                      <a:solidFill>
+                        <a:schemeClr val="tx2"/>
+                      </a:solidFill>
+                      <a:prstDash val="solid"/>
+                      <a:round/>
+                      <a:headEnd type="none" w="med" len="med"/>
+                      <a:tailEnd type="none" w="med" len="med"/>
+                    </a:lnL>
+                    <a:lnR w="6350" cap="flat" cmpd="sng" algn="ctr">
+                      <a:noFill/>
+                      <a:prstDash val="solid"/>
+                      <a:round/>
+                      <a:headEnd type="none" w="med" len="med"/>
+                      <a:tailEnd type="none" w="med" len="med"/>
+                    </a:lnR>
+                    <a:lnT w="28575" cap="flat" cmpd="sng" algn="ctr">
+                      <a:noFill/>
+                      <a:prstDash val="solid"/>
+                      <a:round/>
+                      <a:headEnd type="none" w="med" len="med"/>
+                      <a:tailEnd type="none" w="med" len="med"/>
+                    </a:lnT>
+                    <a:lnB w="12700" cap="flat" cmpd="sng" algn="ctr">
+                      <a:noFill/>
+                      <a:prstDash val="solid"/>
+                      <a:round/>
+                      <a:headEnd type="none" w="med" len="med"/>
+                      <a:tailEnd type="none" w="med" len="med"/>
+                    </a:lnB>
+                    <a:lnTlToBr>
+                      <a:noFill/>
+                    </a:lnTlToBr>
+                    <a:lnBlToTr>
+                      <a:noFill/>
+                    </a:lnBlToTr>
+                    <a:noFill/>
+                  </a:tcPr>
+                </a:tc>
+                <a:extLst>
+                  <a:ext uri="{0D108BD9-81ED-4DB2-BD59-A6C34878D82A}">
+                    <a16:rowId xmlns:a16="http://schemas.microsoft.com/office/drawing/2014/main" val="10000"/>
+                  </a:ext>
+                </a:extLst>
+              </a:tr>
+              <a:tr h="591184">
+                <a:tc gridSpan="2">
                   <a:txBody>
                     <a:bodyPr/>
                     <a:lstStyle/>
@@ -7729,7 +7884,7 @@
                         <a:tabLst/>
                       </a:pPr>
                       <a:r>
-                        <a:rPr kumimoji="0" lang="ru-RU" sz="2000" b="1" i="0" u="none" strike="noStrike" cap="none" normalizeH="0" baseline="0" dirty="0">
+                        <a:rPr kumimoji="0" lang="ru-RU" sz="1600" b="0" i="0" u="none" strike="noStrike" cap="none" normalizeH="0" baseline="0" dirty="0" smtClean="0">
                           <a:ln>
                             <a:noFill/>
                           </a:ln>
@@ -7737,19 +7892,119 @@
                             <a:schemeClr val="tx1"/>
                           </a:solidFill>
                           <a:effectLst/>
+                          <a:latin typeface="+mn-lt"/>
+                        </a:rPr>
+                        <a:t> Больше информации </a:t>
+                      </a:r>
+                    </a:p>
+                    <a:p>
+                      <a:pPr marL="0" marR="0" lvl="0" indent="0" algn="ctr" defTabSz="914400" rtl="0" eaLnBrk="1" fontAlgn="base" latinLnBrk="0" hangingPunct="1">
+                        <a:lnSpc>
+                          <a:spcPct val="100000"/>
+                        </a:lnSpc>
+                        <a:spcBef>
+                          <a:spcPct val="20000"/>
+                        </a:spcBef>
+                        <a:spcAft>
+                          <a:spcPct val="0"/>
+                        </a:spcAft>
+                        <a:buClr>
+                          <a:schemeClr val="tx1"/>
+                        </a:buClr>
+                        <a:buSzTx/>
+                        <a:buFontTx/>
+                        <a:buNone/>
+                        <a:tabLst/>
+                      </a:pPr>
+                      <a:r>
+                        <a:rPr kumimoji="0" lang="ru-RU" sz="1600" b="0" i="0" u="none" strike="noStrike" cap="none" normalizeH="0" baseline="0" dirty="0" smtClean="0">
+                          <a:ln>
+                            <a:noFill/>
+                          </a:ln>
+                          <a:solidFill>
+                            <a:schemeClr val="tx1"/>
+                          </a:solidFill>
+                          <a:effectLst/>
+                          <a:latin typeface="+mn-lt"/>
+                        </a:rPr>
+                        <a:t>об исследовании результатов </a:t>
+                      </a:r>
+                      <a:r>
+                        <a:rPr kumimoji="0" lang="ru-RU" sz="1600" b="0" i="0" u="none" strike="noStrike" cap="none" normalizeH="0" baseline="0" dirty="0" err="1" smtClean="0">
+                          <a:ln>
+                            <a:noFill/>
+                          </a:ln>
+                          <a:solidFill>
+                            <a:schemeClr val="tx1"/>
+                          </a:solidFill>
+                          <a:effectLst/>
+                          <a:latin typeface="+mn-lt"/>
+                        </a:rPr>
+                        <a:t>промоакции</a:t>
+                      </a:r>
+                      <a:r>
+                        <a:rPr kumimoji="0" lang="ru-RU" sz="1600" b="0" i="0" u="none" strike="noStrike" cap="none" normalizeH="0" baseline="0" dirty="0" smtClean="0">
+                          <a:ln>
+                            <a:noFill/>
+                          </a:ln>
+                          <a:solidFill>
+                            <a:schemeClr val="tx1"/>
+                          </a:solidFill>
+                          <a:effectLst/>
+                          <a:latin typeface="+mn-lt"/>
+                        </a:rPr>
+                        <a:t> на </a:t>
+                      </a:r>
+                    </a:p>
+                    <a:p>
+                      <a:pPr marL="0" marR="0" lvl="0" indent="0" algn="ctr" defTabSz="914400" rtl="0" eaLnBrk="1" fontAlgn="base" latinLnBrk="0" hangingPunct="1">
+                        <a:lnSpc>
+                          <a:spcPct val="100000"/>
+                        </a:lnSpc>
+                        <a:spcBef>
+                          <a:spcPct val="20000"/>
+                        </a:spcBef>
+                        <a:spcAft>
+                          <a:spcPct val="0"/>
+                        </a:spcAft>
+                        <a:buClr>
+                          <a:schemeClr val="tx1"/>
+                        </a:buClr>
+                        <a:buSzTx/>
+                        <a:buFontTx/>
+                        <a:buNone/>
+                        <a:tabLst/>
+                      </a:pPr>
+                      <a:r>
+                        <a:rPr kumimoji="0" lang="ru-RU" sz="2000" b="1" i="0" u="none" strike="noStrike" kern="1200" cap="none" normalizeH="0" baseline="0" dirty="0" err="1" smtClean="0">
+                          <a:ln>
+                            <a:noFill/>
+                          </a:ln>
+                          <a:solidFill>
+                            <a:schemeClr val="tx1">
+                              <a:lumMod val="95000"/>
+                            </a:schemeClr>
+                          </a:solidFill>
+                          <a:effectLst/>
                           <a:latin typeface="Century Gothic" panose="020B0502020202020204" pitchFamily="34" charset="0"/>
+                          <a:ea typeface="+mn-ea"/>
+                          <a:cs typeface="+mn-cs"/>
                         </a:rPr>
-                        <a:t>Код всей этой шляпы</a:t>
+                        <a:t>GitHub</a:t>
                       </a:r>
-                      <a:endParaRPr kumimoji="0" lang="ru-RU" sz="1600" b="1" i="0" u="none" strike="noStrike" cap="none" normalizeH="0" baseline="0" dirty="0">
+                      <a:endParaRPr kumimoji="0" lang="en-US" sz="2000" b="1" i="0" u="none" strike="noStrike" kern="1200" cap="none" normalizeH="0" baseline="0" dirty="0">
                         <a:ln>
                           <a:noFill/>
                         </a:ln>
                         <a:solidFill>
-                          <a:schemeClr val="tx1"/>
+                          <a:schemeClr val="tx1">
+                            <a:lumMod val="95000"/>
+                          </a:schemeClr>
                         </a:solidFill>
                         <a:effectLst/>
                         <a:latin typeface="Century Gothic" panose="020B0502020202020204" pitchFamily="34" charset="0"/>
+                        <a:ea typeface="+mn-ea"/>
+                        <a:cs typeface="+mn-cs"/>
                       </a:endParaRPr>
                     </a:p>
                   </a:txBody>
@@ -7762,15 +8017,13 @@
                       <a:tailEnd type="none" w="med" len="med"/>
                     </a:lnL>
                     <a:lnR w="12700" cap="flat" cmpd="sng" algn="ctr">
-                      <a:solidFill>
-                        <a:schemeClr val="tx2"/>
-                      </a:solidFill>
+                      <a:noFill/>
                       <a:prstDash val="solid"/>
                       <a:round/>
                       <a:headEnd type="none" w="med" len="med"/>
                       <a:tailEnd type="none" w="med" len="med"/>
                     </a:lnR>
-                    <a:lnT w="28575" cap="flat" cmpd="sng" algn="ctr">
+                    <a:lnT w="12700" cap="flat" cmpd="sng" algn="ctr">
                       <a:noFill/>
                       <a:prstDash val="solid"/>
                       <a:round/>
@@ -7793,7 +8046,7 @@
                     <a:noFill/>
                   </a:tcPr>
                 </a:tc>
-                <a:tc>
+                <a:tc hMerge="1">
                   <a:txBody>
                     <a:bodyPr/>
                     <a:lstStyle/>
@@ -7816,218 +8069,6 @@
                         <a:buNone/>
                         <a:tabLst/>
                       </a:pPr>
-                      <a:r>
-                        <a:rPr kumimoji="0" lang="ru-RU" sz="2000" b="1" i="0" u="none" strike="noStrike" cap="none" normalizeH="0" baseline="0" dirty="0">
-                          <a:ln>
-                            <a:noFill/>
-                          </a:ln>
-                          <a:solidFill>
-                            <a:schemeClr val="tx1"/>
-                          </a:solidFill>
-                          <a:effectLst/>
-                          <a:latin typeface="Century Gothic" panose="020B0502020202020204" pitchFamily="34" charset="0"/>
-                        </a:rPr>
-                        <a:t>ссылка</a:t>
-                      </a:r>
-                    </a:p>
-                  </a:txBody>
-                  <a:tcPr anchor="ctr" horzOverflow="overflow">
-                    <a:lnL w="12700" cap="flat" cmpd="sng" algn="ctr">
-                      <a:solidFill>
-                        <a:schemeClr val="tx2"/>
-                      </a:solidFill>
-                      <a:prstDash val="solid"/>
-                      <a:round/>
-                      <a:headEnd type="none" w="med" len="med"/>
-                      <a:tailEnd type="none" w="med" len="med"/>
-                    </a:lnL>
-                    <a:lnR w="6350" cap="flat" cmpd="sng" algn="ctr">
-                      <a:noFill/>
-                      <a:prstDash val="solid"/>
-                      <a:round/>
-                      <a:headEnd type="none" w="med" len="med"/>
-                      <a:tailEnd type="none" w="med" len="med"/>
-                    </a:lnR>
-                    <a:lnT w="28575" cap="flat" cmpd="sng" algn="ctr">
-                      <a:noFill/>
-                      <a:prstDash val="solid"/>
-                      <a:round/>
-                      <a:headEnd type="none" w="med" len="med"/>
-                      <a:tailEnd type="none" w="med" len="med"/>
-                    </a:lnT>
-                    <a:lnB w="12700" cap="flat" cmpd="sng" algn="ctr">
-                      <a:noFill/>
-                      <a:prstDash val="solid"/>
-                      <a:round/>
-                      <a:headEnd type="none" w="med" len="med"/>
-                      <a:tailEnd type="none" w="med" len="med"/>
-                    </a:lnB>
-                    <a:lnTlToBr>
-                      <a:noFill/>
-                    </a:lnTlToBr>
-                    <a:lnBlToTr>
-                      <a:noFill/>
-                    </a:lnBlToTr>
-                    <a:noFill/>
-                  </a:tcPr>
-                </a:tc>
-                <a:extLst>
-                  <a:ext uri="{0D108BD9-81ED-4DB2-BD59-A6C34878D82A}">
-                    <a16:rowId xmlns:a16="http://schemas.microsoft.com/office/drawing/2014/main" val="10000"/>
-                  </a:ext>
-                </a:extLst>
-              </a:tr>
-              <a:tr h="591184">
-                <a:tc>
-                  <a:txBody>
-                    <a:bodyPr/>
-                    <a:lstStyle/>
-                    <a:p>
-                      <a:pPr marL="0" marR="0" lvl="0" indent="0" algn="ctr" defTabSz="914400" rtl="0" eaLnBrk="1" fontAlgn="base" latinLnBrk="0" hangingPunct="1">
-                        <a:lnSpc>
-                          <a:spcPct val="100000"/>
-                        </a:lnSpc>
-                        <a:spcBef>
-                          <a:spcPct val="20000"/>
-                        </a:spcBef>
-                        <a:spcAft>
-                          <a:spcPct val="0"/>
-                        </a:spcAft>
-                        <a:buClr>
-                          <a:schemeClr val="tx1"/>
-                        </a:buClr>
-                        <a:buSzTx/>
-                        <a:buFontTx/>
-                        <a:buNone/>
-                        <a:tabLst/>
-                      </a:pPr>
-                      <a:r>
-                        <a:rPr kumimoji="0" lang="ru-RU" sz="1600" b="0" i="0" u="none" strike="noStrike" cap="none" normalizeH="0" baseline="0" dirty="0">
-                          <a:ln>
-                            <a:noFill/>
-                          </a:ln>
-                          <a:solidFill>
-                            <a:schemeClr val="tx1"/>
-                          </a:solidFill>
-                          <a:effectLst/>
-                          <a:latin typeface="+mn-lt"/>
-                        </a:rPr>
-                        <a:t>Еще </a:t>
-                      </a:r>
-                      <a:r>
-                        <a:rPr kumimoji="0" lang="ru-RU" sz="1600" b="0" i="0" u="none" strike="noStrike" cap="none" normalizeH="0" baseline="0" dirty="0" err="1">
-                          <a:ln>
-                            <a:noFill/>
-                          </a:ln>
-                          <a:solidFill>
-                            <a:schemeClr val="tx1"/>
-                          </a:solidFill>
-                          <a:effectLst/>
-                          <a:latin typeface="+mn-lt"/>
-                        </a:rPr>
-                        <a:t>чё</a:t>
-                      </a:r>
-                      <a:r>
-                        <a:rPr kumimoji="0" lang="ru-RU" sz="1600" b="0" i="0" u="none" strike="noStrike" cap="none" normalizeH="0" baseline="0" dirty="0">
-                          <a:ln>
-                            <a:noFill/>
-                          </a:ln>
-                          <a:solidFill>
-                            <a:schemeClr val="tx1"/>
-                          </a:solidFill>
-                          <a:effectLst/>
-                          <a:latin typeface="+mn-lt"/>
-                        </a:rPr>
-                        <a:t>-то</a:t>
-                      </a:r>
-                      <a:endParaRPr kumimoji="0" lang="en-US" sz="1600" b="0" i="0" u="none" strike="noStrike" cap="none" normalizeH="0" baseline="0" dirty="0">
-                        <a:ln>
-                          <a:noFill/>
-                        </a:ln>
-                        <a:solidFill>
-                          <a:schemeClr val="tx1"/>
-                        </a:solidFill>
-                        <a:effectLst/>
-                        <a:latin typeface="+mn-lt"/>
-                      </a:endParaRPr>
-                    </a:p>
-                  </a:txBody>
-                  <a:tcPr anchor="ctr" horzOverflow="overflow">
-                    <a:lnL w="6350" cap="flat" cmpd="sng" algn="ctr">
-                      <a:noFill/>
-                      <a:prstDash val="solid"/>
-                      <a:round/>
-                      <a:headEnd type="none" w="med" len="med"/>
-                      <a:tailEnd type="none" w="med" len="med"/>
-                    </a:lnL>
-                    <a:lnR w="12700" cap="flat" cmpd="sng" algn="ctr">
-                      <a:solidFill>
-                        <a:schemeClr val="tx2"/>
-                      </a:solidFill>
-                      <a:prstDash val="solid"/>
-                      <a:round/>
-                      <a:headEnd type="none" w="med" len="med"/>
-                      <a:tailEnd type="none" w="med" len="med"/>
-                    </a:lnR>
-                    <a:lnT w="12700" cap="flat" cmpd="sng" algn="ctr">
-                      <a:noFill/>
-                      <a:prstDash val="solid"/>
-                      <a:round/>
-                      <a:headEnd type="none" w="med" len="med"/>
-                      <a:tailEnd type="none" w="med" len="med"/>
-                    </a:lnT>
-                    <a:lnB w="12700" cap="flat" cmpd="sng" algn="ctr">
-                      <a:noFill/>
-                      <a:prstDash val="solid"/>
-                      <a:round/>
-                      <a:headEnd type="none" w="med" len="med"/>
-                      <a:tailEnd type="none" w="med" len="med"/>
-                    </a:lnB>
-                    <a:lnTlToBr>
-                      <a:noFill/>
-                    </a:lnTlToBr>
-                    <a:lnBlToTr>
-                      <a:noFill/>
-                    </a:lnBlToTr>
-                    <a:noFill/>
-                  </a:tcPr>
-                </a:tc>
-                <a:tc>
-                  <a:txBody>
-                    <a:bodyPr/>
-                    <a:lstStyle/>
-                    <a:p>
-                      <a:pPr marL="0" marR="0" lvl="0" indent="0" algn="ctr" defTabSz="914400" rtl="0" eaLnBrk="1" fontAlgn="base" latinLnBrk="0" hangingPunct="1">
-                        <a:lnSpc>
-                          <a:spcPct val="100000"/>
-                        </a:lnSpc>
-                        <a:spcBef>
-                          <a:spcPct val="20000"/>
-                        </a:spcBef>
-                        <a:spcAft>
-                          <a:spcPct val="0"/>
-                        </a:spcAft>
-                        <a:buClr>
-                          <a:schemeClr val="tx1"/>
-                        </a:buClr>
-                        <a:buSzTx/>
-                        <a:buFontTx/>
-                        <a:buNone/>
-                        <a:tabLst/>
-                      </a:pPr>
-                      <a:r>
-                        <a:rPr kumimoji="0" lang="ru-RU" sz="1600" b="0" i="0" u="none" strike="noStrike" cap="none" normalizeH="0" baseline="0" dirty="0">
-                          <a:ln>
-                            <a:noFill/>
-                          </a:ln>
-                          <a:solidFill>
-                            <a:schemeClr val="tx1"/>
-                          </a:solidFill>
-                          <a:effectLst/>
-                          <a:latin typeface="+mn-lt"/>
-                        </a:rPr>
-                        <a:t>ссылка</a:t>
-                      </a:r>
                       <a:endParaRPr kumimoji="0" lang="en-US" sz="1600" b="0" i="0" u="none" strike="noStrike" cap="none" normalizeH="0" baseline="0" dirty="0">
                         <a:ln>
                           <a:noFill/>
@@ -8749,6 +8790,50 @@
           </a:graphicData>
         </a:graphic>
       </p:graphicFrame>
+      <p:pic>
+        <p:nvPicPr>
+          <p:cNvPr id="1026" name="Picture 2" descr="https://cdn.icon-icons.com/icons2/2550/PNG/512/external_link_icon_152621.png">
+            <a:hlinkClick r:id="rId3"/>
+          </p:cNvPr>
+          <p:cNvPicPr>
+            <a:picLocks noChangeAspect="1" noChangeArrowheads="1"/>
+          </p:cNvPicPr>
+          <p:nvPr/>
+        </p:nvPicPr>
+        <p:blipFill>
+          <a:blip r:embed="rId4">
+            <a:biLevel thresh="25000"/>
+            <a:extLst>
+              <a:ext uri="{28A0092B-C50C-407E-A947-70E740481C1C}">
+                <a14:useLocalDpi xmlns:a14="http://schemas.microsoft.com/office/drawing/2010/main" val="0"/>
+              </a:ext>
+            </a:extLst>
+          </a:blip>
+          <a:srcRect/>
+          <a:stretch>
+            <a:fillRect/>
+          </a:stretch>
+        </p:blipFill>
+        <p:spPr bwMode="auto">
+          <a:xfrm>
+            <a:off x="6537020" y="2827762"/>
+            <a:ext cx="335492" cy="335492"/>
+          </a:xfrm>
+          <a:prstGeom prst="rect">
+            <a:avLst/>
+          </a:prstGeom>
+          <a:noFill/>
+          <a:extLst>
+            <a:ext uri="{909E8E84-426E-40DD-AFC4-6F175D3DCCD1}">
+              <a14:hiddenFill xmlns:a14="http://schemas.microsoft.com/office/drawing/2010/main">
+                <a:solidFill>
+                  <a:srgbClr val="FFFFFF"/>
+                </a:solidFill>
+              </a14:hiddenFill>
+            </a:ext>
+          </a:extLst>
+        </p:spPr>
+      </p:pic>
     </p:spTree>
     <p:extLst>
       <p:ext uri="{BB962C8B-B14F-4D97-AF65-F5344CB8AC3E}">
@@ -9586,11 +9671,18 @@
 <file path=customXml/itemProps2.xml><?xml version="1.0" encoding="utf-8"?>
 <ds:datastoreItem xmlns:ds="http://schemas.openxmlformats.org/officeDocument/2006/customXml" ds:itemID="{FDF283A3-AA81-4663-8764-64F64C723FD1}">
   <ds:schemaRefs>
+    <ds:schemaRef ds:uri="http://www.w3.org/XML/1998/namespace"/>
+    <ds:schemaRef ds:uri="http://purl.org/dc/dcmitype/"/>
+    <ds:schemaRef ds:uri="http://schemas.microsoft.com/sharepoint/v3"/>
+    <ds:schemaRef ds:uri="http://purl.org/dc/terms/"/>
+    <ds:schemaRef ds:uri="230e9df3-be65-4c73-a93b-d1236ebd677e"/>
+    <ds:schemaRef ds:uri="16c05727-aa75-4e4a-9b5f-8a80a1165891"/>
+    <ds:schemaRef ds:uri="71af3243-3dd4-4a8d-8c0d-dd76da1f02a5"/>
     <ds:schemaRef ds:uri="http://schemas.microsoft.com/office/2006/metadata/properties"/>
+    <ds:schemaRef ds:uri="http://schemas.microsoft.com/office/2006/documentManagement/types"/>
     <ds:schemaRef ds:uri="http://schemas.microsoft.com/office/infopath/2007/PartnerControls"/>
-    <ds:schemaRef ds:uri="71af3243-3dd4-4a8d-8c0d-dd76da1f02a5"/>
-    <ds:schemaRef ds:uri="http://schemas.microsoft.com/sharepoint/v3"/>
-    <ds:schemaRef ds:uri="230e9df3-be65-4c73-a93b-d1236ebd677e"/>
+    <ds:schemaRef ds:uri="http://schemas.openxmlformats.org/package/2006/metadata/core-properties"/>
+    <ds:schemaRef ds:uri="http://purl.org/dc/elements/1.1/"/>
   </ds:schemaRefs>
 </ds:datastoreItem>
 </file>
